--- a/rapport.pptx
+++ b/rapport.pptx
@@ -8281,6 +8281,39 @@
           </a:ln>
         </p:spPr>
       </p:pic>
+      <p:sp>
+        <p:nvSpPr>
+          <p:cNvPr id="3" name="Text Box 2"/>
+          <p:cNvSpPr txBox="1"/>
+          <p:nvPr/>
+        </p:nvSpPr>
+        <p:spPr>
+          <a:xfrm>
+            <a:off x="2880360" y="5963285"/>
+            <a:ext cx="5300345" cy="368300"/>
+          </a:xfrm>
+          <a:prstGeom prst="rect">
+            <a:avLst/>
+          </a:prstGeom>
+          <a:noFill/>
+        </p:spPr>
+        <p:txBody>
+          <a:bodyPr wrap="square" rtlCol="0" anchor="t">
+            <a:spAutoFit/>
+          </a:bodyPr>
+          <a:p>
+            <a:r>
+              <a:rPr lang="en-US"/>
+              <a:t>https://github.com/Chlooow/ProjetUlamIGS</a:t>
+            </a:r>
+            <a:r>
+              <a:rPr lang="fr-FR" altLang="en-US"/>
+              <a:t>D</a:t>
+            </a:r>
+            <a:endParaRPr lang="fr-FR" altLang="en-US"/>
+          </a:p>
+        </p:txBody>
+      </p:sp>
     </p:spTree>
   </p:cSld>
   <p:clrMapOvr>
